--- a/graphics/graphics.pptx
+++ b/graphics/graphics.pptx
@@ -8,6 +8,7 @@
     <p:sldId id="256" r:id="rId2"/>
     <p:sldId id="257" r:id="rId3"/>
     <p:sldId id="258" r:id="rId4"/>
+    <p:sldId id="259" r:id="rId5"/>
   </p:sldIdLst>
   <p:sldSz cx="12192000" cy="6858000"/>
   <p:notesSz cx="6858000" cy="9144000"/>
@@ -106,7 +107,24 @@
       </a:defRPr>
     </a:lvl9pPr>
   </p:defaultTextStyle>
+  <p:extLst>
+    <p:ext uri="{EFAFB233-063F-42B5-8137-9DF3F51BA10A}">
+      <p15:sldGuideLst xmlns:p15="http://schemas.microsoft.com/office/powerpoint/2012/main"/>
+    </p:ext>
+  </p:extLst>
 </p:presentation>
+</file>
+
+<file path=ppt/commentAuthors.xml><?xml version="1.0" encoding="utf-8"?>
+<p:cmAuthorLst xmlns:a="http://schemas.openxmlformats.org/drawingml/2006/main" xmlns:r="http://schemas.openxmlformats.org/officeDocument/2006/relationships" xmlns:p="http://schemas.openxmlformats.org/presentationml/2006/main">
+  <p:cmAuthor id="1" name="Florence Bockting" initials="FB" lastIdx="1" clrIdx="0">
+    <p:extLst>
+      <p:ext uri="{19B8F6BF-5375-455C-9EA6-DF929625EA0E}">
+        <p15:presenceInfo xmlns:p15="http://schemas.microsoft.com/office/powerpoint/2012/main" userId="S-1-5-21-231109706-548016402-1897138802-19726" providerId="AD"/>
+      </p:ext>
+    </p:extLst>
+  </p:cmAuthor>
+</p:cmAuthorLst>
 </file>
 
 <file path=ppt/slideLayouts/slideLayout1.xml><?xml version="1.0" encoding="utf-8"?>
@@ -256,7 +274,7 @@
           <a:p>
             <a:fld id="{75CD2352-2958-46E1-9C0E-26E2115C264D}" type="datetimeFigureOut">
               <a:rPr lang="de-DE" smtClean="0"/>
-              <a:t>19.08.2024</a:t>
+              <a:t>25.08.2024</a:t>
             </a:fld>
             <a:endParaRPr lang="de-DE"/>
           </a:p>
@@ -454,7 +472,7 @@
           <a:p>
             <a:fld id="{75CD2352-2958-46E1-9C0E-26E2115C264D}" type="datetimeFigureOut">
               <a:rPr lang="de-DE" smtClean="0"/>
-              <a:t>19.08.2024</a:t>
+              <a:t>25.08.2024</a:t>
             </a:fld>
             <a:endParaRPr lang="de-DE"/>
           </a:p>
@@ -662,7 +680,7 @@
           <a:p>
             <a:fld id="{75CD2352-2958-46E1-9C0E-26E2115C264D}" type="datetimeFigureOut">
               <a:rPr lang="de-DE" smtClean="0"/>
-              <a:t>19.08.2024</a:t>
+              <a:t>25.08.2024</a:t>
             </a:fld>
             <a:endParaRPr lang="de-DE"/>
           </a:p>
@@ -860,7 +878,7 @@
           <a:p>
             <a:fld id="{75CD2352-2958-46E1-9C0E-26E2115C264D}" type="datetimeFigureOut">
               <a:rPr lang="de-DE" smtClean="0"/>
-              <a:t>19.08.2024</a:t>
+              <a:t>25.08.2024</a:t>
             </a:fld>
             <a:endParaRPr lang="de-DE"/>
           </a:p>
@@ -1135,7 +1153,7 @@
           <a:p>
             <a:fld id="{75CD2352-2958-46E1-9C0E-26E2115C264D}" type="datetimeFigureOut">
               <a:rPr lang="de-DE" smtClean="0"/>
-              <a:t>19.08.2024</a:t>
+              <a:t>25.08.2024</a:t>
             </a:fld>
             <a:endParaRPr lang="de-DE"/>
           </a:p>
@@ -1400,7 +1418,7 @@
           <a:p>
             <a:fld id="{75CD2352-2958-46E1-9C0E-26E2115C264D}" type="datetimeFigureOut">
               <a:rPr lang="de-DE" smtClean="0"/>
-              <a:t>19.08.2024</a:t>
+              <a:t>25.08.2024</a:t>
             </a:fld>
             <a:endParaRPr lang="de-DE"/>
           </a:p>
@@ -1812,7 +1830,7 @@
           <a:p>
             <a:fld id="{75CD2352-2958-46E1-9C0E-26E2115C264D}" type="datetimeFigureOut">
               <a:rPr lang="de-DE" smtClean="0"/>
-              <a:t>19.08.2024</a:t>
+              <a:t>25.08.2024</a:t>
             </a:fld>
             <a:endParaRPr lang="de-DE"/>
           </a:p>
@@ -1953,7 +1971,7 @@
           <a:p>
             <a:fld id="{75CD2352-2958-46E1-9C0E-26E2115C264D}" type="datetimeFigureOut">
               <a:rPr lang="de-DE" smtClean="0"/>
-              <a:t>19.08.2024</a:t>
+              <a:t>25.08.2024</a:t>
             </a:fld>
             <a:endParaRPr lang="de-DE"/>
           </a:p>
@@ -2066,7 +2084,7 @@
           <a:p>
             <a:fld id="{75CD2352-2958-46E1-9C0E-26E2115C264D}" type="datetimeFigureOut">
               <a:rPr lang="de-DE" smtClean="0"/>
-              <a:t>19.08.2024</a:t>
+              <a:t>25.08.2024</a:t>
             </a:fld>
             <a:endParaRPr lang="de-DE"/>
           </a:p>
@@ -2377,7 +2395,7 @@
           <a:p>
             <a:fld id="{75CD2352-2958-46E1-9C0E-26E2115C264D}" type="datetimeFigureOut">
               <a:rPr lang="de-DE" smtClean="0"/>
-              <a:t>19.08.2024</a:t>
+              <a:t>25.08.2024</a:t>
             </a:fld>
             <a:endParaRPr lang="de-DE"/>
           </a:p>
@@ -2665,7 +2683,7 @@
           <a:p>
             <a:fld id="{75CD2352-2958-46E1-9C0E-26E2115C264D}" type="datetimeFigureOut">
               <a:rPr lang="de-DE" smtClean="0"/>
-              <a:t>19.08.2024</a:t>
+              <a:t>25.08.2024</a:t>
             </a:fld>
             <a:endParaRPr lang="de-DE"/>
           </a:p>
@@ -2906,7 +2924,7 @@
           <a:p>
             <a:fld id="{75CD2352-2958-46E1-9C0E-26E2115C264D}" type="datetimeFigureOut">
               <a:rPr lang="de-DE" smtClean="0"/>
-              <a:t>19.08.2024</a:t>
+              <a:t>25.08.2024</a:t>
             </a:fld>
             <a:endParaRPr lang="de-DE"/>
           </a:p>
@@ -10930,6 +10948,684 @@
 </p:sld>
 </file>
 
+<file path=ppt/slides/slide4.xml><?xml version="1.0" encoding="utf-8"?>
+<p:sld xmlns:a="http://schemas.openxmlformats.org/drawingml/2006/main" xmlns:r="http://schemas.openxmlformats.org/officeDocument/2006/relationships" xmlns:p="http://schemas.openxmlformats.org/presentationml/2006/main">
+  <p:cSld>
+    <p:spTree>
+      <p:nvGrpSpPr>
+        <p:cNvPr id="1" name=""/>
+        <p:cNvGrpSpPr/>
+        <p:nvPr/>
+      </p:nvGrpSpPr>
+      <p:grpSpPr>
+        <a:xfrm>
+          <a:off x="0" y="0"/>
+          <a:ext cx="0" cy="0"/>
+          <a:chOff x="0" y="0"/>
+          <a:chExt cx="0" cy="0"/>
+        </a:xfrm>
+      </p:grpSpPr>
+      <p:pic>
+        <p:nvPicPr>
+          <p:cNvPr id="3" name="Grafik 2">
+            <a:extLst>
+              <a:ext uri="{FF2B5EF4-FFF2-40B4-BE49-F238E27FC236}">
+                <a16:creationId xmlns:a16="http://schemas.microsoft.com/office/drawing/2014/main" id="{3E2E8770-5A28-4D1D-A366-DE8997B13135}"/>
+              </a:ext>
+            </a:extLst>
+          </p:cNvPr>
+          <p:cNvPicPr>
+            <a:picLocks noChangeAspect="1"/>
+          </p:cNvPicPr>
+          <p:nvPr/>
+        </p:nvPicPr>
+        <p:blipFill rotWithShape="1">
+          <a:blip r:embed="rId2"/>
+          <a:srcRect t="16586" r="62427" b="32151"/>
+          <a:stretch/>
+        </p:blipFill>
+        <p:spPr>
+          <a:xfrm>
+            <a:off x="2565647" y="976544"/>
+            <a:ext cx="6813016" cy="3630967"/>
+          </a:xfrm>
+          <a:prstGeom prst="rect">
+            <a:avLst/>
+          </a:prstGeom>
+        </p:spPr>
+      </p:pic>
+      <p:sp>
+        <p:nvSpPr>
+          <p:cNvPr id="4" name="Rechteck: abgerundete Ecken 3">
+            <a:extLst>
+              <a:ext uri="{FF2B5EF4-FFF2-40B4-BE49-F238E27FC236}">
+                <a16:creationId xmlns:a16="http://schemas.microsoft.com/office/drawing/2014/main" id="{7D2F9785-ED84-4512-A600-9A866DE943A9}"/>
+              </a:ext>
+            </a:extLst>
+          </p:cNvPr>
+          <p:cNvSpPr/>
+          <p:nvPr/>
+        </p:nvSpPr>
+        <p:spPr>
+          <a:xfrm>
+            <a:off x="3311371" y="1287262"/>
+            <a:ext cx="3027285" cy="3240350"/>
+          </a:xfrm>
+          <a:prstGeom prst="roundRect">
+            <a:avLst>
+              <a:gd name="adj" fmla="val 3178"/>
+            </a:avLst>
+          </a:prstGeom>
+          <a:noFill/>
+          <a:ln w="38100">
+            <a:solidFill>
+              <a:srgbClr val="FFC000"/>
+            </a:solidFill>
+          </a:ln>
+        </p:spPr>
+        <p:style>
+          <a:lnRef idx="2">
+            <a:schemeClr val="accent1">
+              <a:shade val="50000"/>
+            </a:schemeClr>
+          </a:lnRef>
+          <a:fillRef idx="1">
+            <a:schemeClr val="accent1"/>
+          </a:fillRef>
+          <a:effectRef idx="0">
+            <a:schemeClr val="accent1"/>
+          </a:effectRef>
+          <a:fontRef idx="minor">
+            <a:schemeClr val="lt1"/>
+          </a:fontRef>
+        </p:style>
+        <p:txBody>
+          <a:bodyPr rtlCol="0" anchor="ctr"/>
+          <a:lstStyle/>
+          <a:p>
+            <a:pPr algn="ctr"/>
+            <a:endParaRPr lang="de-DE"/>
+          </a:p>
+        </p:txBody>
+      </p:sp>
+      <p:sp>
+        <p:nvSpPr>
+          <p:cNvPr id="5" name="Rechteck: abgerundete Ecken 4">
+            <a:extLst>
+              <a:ext uri="{FF2B5EF4-FFF2-40B4-BE49-F238E27FC236}">
+                <a16:creationId xmlns:a16="http://schemas.microsoft.com/office/drawing/2014/main" id="{C03270CE-9A62-4FFD-975A-27C4B0101E0F}"/>
+              </a:ext>
+            </a:extLst>
+          </p:cNvPr>
+          <p:cNvSpPr/>
+          <p:nvPr/>
+        </p:nvSpPr>
+        <p:spPr>
+          <a:xfrm>
+            <a:off x="6345016" y="2823099"/>
+            <a:ext cx="3027285" cy="1704513"/>
+          </a:xfrm>
+          <a:prstGeom prst="roundRect">
+            <a:avLst>
+              <a:gd name="adj" fmla="val 3178"/>
+            </a:avLst>
+          </a:prstGeom>
+          <a:noFill/>
+          <a:ln w="38100">
+            <a:solidFill>
+              <a:srgbClr val="FF0000"/>
+            </a:solidFill>
+          </a:ln>
+        </p:spPr>
+        <p:style>
+          <a:lnRef idx="2">
+            <a:schemeClr val="accent1">
+              <a:shade val="50000"/>
+            </a:schemeClr>
+          </a:lnRef>
+          <a:fillRef idx="1">
+            <a:schemeClr val="accent1"/>
+          </a:fillRef>
+          <a:effectRef idx="0">
+            <a:schemeClr val="accent1"/>
+          </a:effectRef>
+          <a:fontRef idx="minor">
+            <a:schemeClr val="lt1"/>
+          </a:fontRef>
+        </p:style>
+        <p:txBody>
+          <a:bodyPr rtlCol="0" anchor="ctr"/>
+          <a:lstStyle/>
+          <a:p>
+            <a:pPr algn="ctr"/>
+            <a:endParaRPr lang="de-DE"/>
+          </a:p>
+        </p:txBody>
+      </p:sp>
+      <p:sp>
+        <p:nvSpPr>
+          <p:cNvPr id="6" name="Rechteck: abgerundete Ecken 5">
+            <a:extLst>
+              <a:ext uri="{FF2B5EF4-FFF2-40B4-BE49-F238E27FC236}">
+                <a16:creationId xmlns:a16="http://schemas.microsoft.com/office/drawing/2014/main" id="{F6B104B7-F6EE-4848-86E5-5CA87FD46E76}"/>
+              </a:ext>
+            </a:extLst>
+          </p:cNvPr>
+          <p:cNvSpPr/>
+          <p:nvPr/>
+        </p:nvSpPr>
+        <p:spPr>
+          <a:xfrm>
+            <a:off x="6357739" y="1287262"/>
+            <a:ext cx="3027285" cy="1535837"/>
+          </a:xfrm>
+          <a:prstGeom prst="roundRect">
+            <a:avLst>
+              <a:gd name="adj" fmla="val 3178"/>
+            </a:avLst>
+          </a:prstGeom>
+          <a:noFill/>
+          <a:ln w="38100">
+            <a:solidFill>
+              <a:srgbClr val="00B0F0"/>
+            </a:solidFill>
+          </a:ln>
+        </p:spPr>
+        <p:style>
+          <a:lnRef idx="2">
+            <a:schemeClr val="accent1">
+              <a:shade val="50000"/>
+            </a:schemeClr>
+          </a:lnRef>
+          <a:fillRef idx="1">
+            <a:schemeClr val="accent1"/>
+          </a:fillRef>
+          <a:effectRef idx="0">
+            <a:schemeClr val="accent1"/>
+          </a:effectRef>
+          <a:fontRef idx="minor">
+            <a:schemeClr val="lt1"/>
+          </a:fontRef>
+        </p:style>
+        <p:txBody>
+          <a:bodyPr rtlCol="0" anchor="ctr"/>
+          <a:lstStyle/>
+          <a:p>
+            <a:pPr algn="ctr"/>
+            <a:endParaRPr lang="de-DE"/>
+          </a:p>
+        </p:txBody>
+      </p:sp>
+      <p:sp>
+        <p:nvSpPr>
+          <p:cNvPr id="7" name="Rechteck: abgerundete Ecken 6">
+            <a:extLst>
+              <a:ext uri="{FF2B5EF4-FFF2-40B4-BE49-F238E27FC236}">
+                <a16:creationId xmlns:a16="http://schemas.microsoft.com/office/drawing/2014/main" id="{4FE3B8EB-676C-4D01-9EAC-C1C410BF46E9}"/>
+              </a:ext>
+            </a:extLst>
+          </p:cNvPr>
+          <p:cNvSpPr/>
+          <p:nvPr/>
+        </p:nvSpPr>
+        <p:spPr>
+          <a:xfrm>
+            <a:off x="2559287" y="1287262"/>
+            <a:ext cx="745724" cy="3240350"/>
+          </a:xfrm>
+          <a:prstGeom prst="roundRect">
+            <a:avLst>
+              <a:gd name="adj" fmla="val 3178"/>
+            </a:avLst>
+          </a:prstGeom>
+          <a:noFill/>
+          <a:ln w="38100">
+            <a:solidFill>
+              <a:srgbClr val="00B050"/>
+            </a:solidFill>
+          </a:ln>
+        </p:spPr>
+        <p:style>
+          <a:lnRef idx="2">
+            <a:schemeClr val="accent1">
+              <a:shade val="50000"/>
+            </a:schemeClr>
+          </a:lnRef>
+          <a:fillRef idx="1">
+            <a:schemeClr val="accent1"/>
+          </a:fillRef>
+          <a:effectRef idx="0">
+            <a:schemeClr val="accent1"/>
+          </a:effectRef>
+          <a:fontRef idx="minor">
+            <a:schemeClr val="lt1"/>
+          </a:fontRef>
+        </p:style>
+        <p:txBody>
+          <a:bodyPr rtlCol="0" anchor="ctr"/>
+          <a:lstStyle/>
+          <a:p>
+            <a:pPr algn="ctr"/>
+            <a:endParaRPr lang="de-DE"/>
+          </a:p>
+        </p:txBody>
+      </p:sp>
+      <p:sp>
+        <p:nvSpPr>
+          <p:cNvPr id="8" name="Textfeld 7">
+            <a:extLst>
+              <a:ext uri="{FF2B5EF4-FFF2-40B4-BE49-F238E27FC236}">
+                <a16:creationId xmlns:a16="http://schemas.microsoft.com/office/drawing/2014/main" id="{D81EA706-F909-4DDB-92AC-F4CE956F1542}"/>
+              </a:ext>
+            </a:extLst>
+          </p:cNvPr>
+          <p:cNvSpPr txBox="1"/>
+          <p:nvPr/>
+        </p:nvSpPr>
+        <p:spPr>
+          <a:xfrm>
+            <a:off x="6357739" y="4116493"/>
+            <a:ext cx="1372492" cy="307777"/>
+          </a:xfrm>
+          <a:prstGeom prst="rect">
+            <a:avLst/>
+          </a:prstGeom>
+          <a:noFill/>
+        </p:spPr>
+        <p:txBody>
+          <a:bodyPr wrap="none" rtlCol="0">
+            <a:spAutoFit/>
+          </a:bodyPr>
+          <a:lstStyle/>
+          <a:p>
+            <a:r>
+              <a:rPr lang="de-DE" sz="1400" dirty="0" err="1">
+                <a:solidFill>
+                  <a:srgbClr val="FF0000"/>
+                </a:solidFill>
+              </a:rPr>
+              <a:t>IPython</a:t>
+            </a:r>
+            <a:r>
+              <a:rPr lang="de-DE" sz="1400" dirty="0">
+                <a:solidFill>
+                  <a:srgbClr val="FF0000"/>
+                </a:solidFill>
+              </a:rPr>
+              <a:t> </a:t>
+            </a:r>
+            <a:r>
+              <a:rPr lang="de-DE" sz="1400" dirty="0" err="1">
+                <a:solidFill>
+                  <a:srgbClr val="FF0000"/>
+                </a:solidFill>
+              </a:rPr>
+              <a:t>Console</a:t>
+            </a:r>
+            <a:endParaRPr lang="de-DE" sz="1400" dirty="0">
+              <a:solidFill>
+                <a:srgbClr val="FF0000"/>
+              </a:solidFill>
+            </a:endParaRPr>
+          </a:p>
+        </p:txBody>
+      </p:sp>
+      <p:sp>
+        <p:nvSpPr>
+          <p:cNvPr id="9" name="Textfeld 8">
+            <a:extLst>
+              <a:ext uri="{FF2B5EF4-FFF2-40B4-BE49-F238E27FC236}">
+                <a16:creationId xmlns:a16="http://schemas.microsoft.com/office/drawing/2014/main" id="{118C63E8-2D2C-4D1F-A7CD-0E9B4D9E5984}"/>
+              </a:ext>
+            </a:extLst>
+          </p:cNvPr>
+          <p:cNvSpPr txBox="1"/>
+          <p:nvPr/>
+        </p:nvSpPr>
+        <p:spPr>
+          <a:xfrm>
+            <a:off x="5617030" y="4113290"/>
+            <a:ext cx="622735" cy="307777"/>
+          </a:xfrm>
+          <a:prstGeom prst="rect">
+            <a:avLst/>
+          </a:prstGeom>
+          <a:noFill/>
+        </p:spPr>
+        <p:txBody>
+          <a:bodyPr wrap="none" rtlCol="0">
+            <a:spAutoFit/>
+          </a:bodyPr>
+          <a:lstStyle/>
+          <a:p>
+            <a:r>
+              <a:rPr lang="de-DE" sz="1400" dirty="0">
+                <a:solidFill>
+                  <a:srgbClr val="FFC000"/>
+                </a:solidFill>
+              </a:rPr>
+              <a:t>Editor</a:t>
+            </a:r>
+          </a:p>
+        </p:txBody>
+      </p:sp>
+      <p:sp>
+        <p:nvSpPr>
+          <p:cNvPr id="10" name="Textfeld 9">
+            <a:extLst>
+              <a:ext uri="{FF2B5EF4-FFF2-40B4-BE49-F238E27FC236}">
+                <a16:creationId xmlns:a16="http://schemas.microsoft.com/office/drawing/2014/main" id="{148E4D08-8DD6-480C-8D69-E2F04E581F8B}"/>
+              </a:ext>
+            </a:extLst>
+          </p:cNvPr>
+          <p:cNvSpPr txBox="1"/>
+          <p:nvPr/>
+        </p:nvSpPr>
+        <p:spPr>
+          <a:xfrm>
+            <a:off x="6504902" y="1357316"/>
+            <a:ext cx="1917961" cy="307777"/>
+          </a:xfrm>
+          <a:prstGeom prst="rect">
+            <a:avLst/>
+          </a:prstGeom>
+          <a:solidFill>
+            <a:schemeClr val="tx1">
+              <a:alpha val="52000"/>
+            </a:schemeClr>
+          </a:solidFill>
+        </p:spPr>
+        <p:txBody>
+          <a:bodyPr wrap="none" rtlCol="0">
+            <a:spAutoFit/>
+          </a:bodyPr>
+          <a:lstStyle/>
+          <a:p>
+            <a:r>
+              <a:rPr lang="de-DE" sz="1400" dirty="0">
+                <a:solidFill>
+                  <a:srgbClr val="00B0F0"/>
+                </a:solidFill>
+              </a:rPr>
+              <a:t>Help / Variable Explorer</a:t>
+            </a:r>
+          </a:p>
+        </p:txBody>
+      </p:sp>
+      <p:sp>
+        <p:nvSpPr>
+          <p:cNvPr id="11" name="Textfeld 10">
+            <a:extLst>
+              <a:ext uri="{FF2B5EF4-FFF2-40B4-BE49-F238E27FC236}">
+                <a16:creationId xmlns:a16="http://schemas.microsoft.com/office/drawing/2014/main" id="{2145AA9E-EA1D-4E9A-A0A7-0665F130EE8A}"/>
+              </a:ext>
+            </a:extLst>
+          </p:cNvPr>
+          <p:cNvSpPr txBox="1"/>
+          <p:nvPr/>
+        </p:nvSpPr>
+        <p:spPr>
+          <a:xfrm rot="16200000">
+            <a:off x="2302123" y="3510711"/>
+            <a:ext cx="1297493" cy="523220"/>
+          </a:xfrm>
+          <a:prstGeom prst="rect">
+            <a:avLst/>
+          </a:prstGeom>
+          <a:solidFill>
+            <a:schemeClr val="tx1">
+              <a:alpha val="52000"/>
+            </a:schemeClr>
+          </a:solidFill>
+        </p:spPr>
+        <p:txBody>
+          <a:bodyPr wrap="square" rtlCol="0">
+            <a:spAutoFit/>
+          </a:bodyPr>
+          <a:lstStyle/>
+          <a:p>
+            <a:r>
+              <a:rPr lang="de-DE" sz="1400" dirty="0">
+                <a:solidFill>
+                  <a:srgbClr val="00B050"/>
+                </a:solidFill>
+              </a:rPr>
+              <a:t>File </a:t>
+            </a:r>
+          </a:p>
+          <a:p>
+            <a:r>
+              <a:rPr lang="de-DE" sz="1400" dirty="0" err="1">
+                <a:solidFill>
+                  <a:srgbClr val="00B050"/>
+                </a:solidFill>
+              </a:rPr>
+              <a:t>directory</a:t>
+            </a:r>
+            <a:endParaRPr lang="de-DE" sz="1400" dirty="0">
+              <a:solidFill>
+                <a:srgbClr val="00B050"/>
+              </a:solidFill>
+            </a:endParaRPr>
+          </a:p>
+        </p:txBody>
+      </p:sp>
+      <p:pic>
+        <p:nvPicPr>
+          <p:cNvPr id="23" name="Grafik 22">
+            <a:extLst>
+              <a:ext uri="{FF2B5EF4-FFF2-40B4-BE49-F238E27FC236}">
+                <a16:creationId xmlns:a16="http://schemas.microsoft.com/office/drawing/2014/main" id="{8D9651D1-746C-4B14-B21D-F5A6680A5990}"/>
+              </a:ext>
+            </a:extLst>
+          </p:cNvPr>
+          <p:cNvPicPr>
+            <a:picLocks noChangeAspect="1"/>
+          </p:cNvPicPr>
+          <p:nvPr/>
+        </p:nvPicPr>
+        <p:blipFill rotWithShape="1">
+          <a:blip r:embed="rId3">
+            <a:extLst>
+              <a:ext uri="{28A0092B-C50C-407E-A947-70E740481C1C}">
+                <a14:useLocalDpi xmlns:a14="http://schemas.microsoft.com/office/drawing/2010/main" val="0"/>
+              </a:ext>
+            </a:extLst>
+          </a:blip>
+          <a:srcRect r="53515"/>
+          <a:stretch/>
+        </p:blipFill>
+        <p:spPr>
+          <a:xfrm>
+            <a:off x="2314045" y="5147243"/>
+            <a:ext cx="3400956" cy="352474"/>
+          </a:xfrm>
+          <a:prstGeom prst="rect">
+            <a:avLst/>
+          </a:prstGeom>
+        </p:spPr>
+      </p:pic>
+      <p:sp>
+        <p:nvSpPr>
+          <p:cNvPr id="24" name="Geschweifte Klammer rechts 23">
+            <a:extLst>
+              <a:ext uri="{FF2B5EF4-FFF2-40B4-BE49-F238E27FC236}">
+                <a16:creationId xmlns:a16="http://schemas.microsoft.com/office/drawing/2014/main" id="{5EC2D543-5351-46D0-BB29-8205783B9407}"/>
+              </a:ext>
+            </a:extLst>
+          </p:cNvPr>
+          <p:cNvSpPr/>
+          <p:nvPr/>
+        </p:nvSpPr>
+        <p:spPr>
+          <a:xfrm rot="5400000">
+            <a:off x="3012513" y="4872269"/>
+            <a:ext cx="201142" cy="1598080"/>
+          </a:xfrm>
+          <a:prstGeom prst="rightBrace">
+            <a:avLst/>
+          </a:prstGeom>
+          <a:ln>
+            <a:solidFill>
+              <a:srgbClr val="CF17C2"/>
+            </a:solidFill>
+          </a:ln>
+        </p:spPr>
+        <p:style>
+          <a:lnRef idx="3">
+            <a:schemeClr val="accent2"/>
+          </a:lnRef>
+          <a:fillRef idx="0">
+            <a:schemeClr val="accent2"/>
+          </a:fillRef>
+          <a:effectRef idx="2">
+            <a:schemeClr val="accent2"/>
+          </a:effectRef>
+          <a:fontRef idx="minor">
+            <a:schemeClr val="tx1"/>
+          </a:fontRef>
+        </p:style>
+        <p:txBody>
+          <a:bodyPr rtlCol="0" anchor="ctr"/>
+          <a:lstStyle/>
+          <a:p>
+            <a:pPr algn="ctr"/>
+            <a:endParaRPr lang="de-DE"/>
+          </a:p>
+        </p:txBody>
+      </p:sp>
+      <p:sp>
+        <p:nvSpPr>
+          <p:cNvPr id="25" name="Textfeld 24">
+            <a:extLst>
+              <a:ext uri="{FF2B5EF4-FFF2-40B4-BE49-F238E27FC236}">
+                <a16:creationId xmlns:a16="http://schemas.microsoft.com/office/drawing/2014/main" id="{521B15C2-4E31-4EBB-8826-58EC0697DDC4}"/>
+              </a:ext>
+            </a:extLst>
+          </p:cNvPr>
+          <p:cNvSpPr txBox="1"/>
+          <p:nvPr/>
+        </p:nvSpPr>
+        <p:spPr>
+          <a:xfrm>
+            <a:off x="2812360" y="5792086"/>
+            <a:ext cx="601447" cy="369332"/>
+          </a:xfrm>
+          <a:prstGeom prst="rect">
+            <a:avLst/>
+          </a:prstGeom>
+          <a:noFill/>
+        </p:spPr>
+        <p:txBody>
+          <a:bodyPr wrap="none" rtlCol="0">
+            <a:spAutoFit/>
+          </a:bodyPr>
+          <a:lstStyle/>
+          <a:p>
+            <a:r>
+              <a:rPr lang="de-DE" dirty="0"/>
+              <a:t>Files</a:t>
+            </a:r>
+          </a:p>
+        </p:txBody>
+      </p:sp>
+      <p:sp>
+        <p:nvSpPr>
+          <p:cNvPr id="26" name="Geschweifte Klammer rechts 25">
+            <a:extLst>
+              <a:ext uri="{FF2B5EF4-FFF2-40B4-BE49-F238E27FC236}">
+                <a16:creationId xmlns:a16="http://schemas.microsoft.com/office/drawing/2014/main" id="{F528435E-DCDF-4B6B-80DF-88C9A2D34AA4}"/>
+              </a:ext>
+            </a:extLst>
+          </p:cNvPr>
+          <p:cNvSpPr/>
+          <p:nvPr/>
+        </p:nvSpPr>
+        <p:spPr>
+          <a:xfrm rot="5400000">
+            <a:off x="4657727" y="4872269"/>
+            <a:ext cx="201142" cy="1598080"/>
+          </a:xfrm>
+          <a:prstGeom prst="rightBrace">
+            <a:avLst/>
+          </a:prstGeom>
+          <a:ln>
+            <a:solidFill>
+              <a:srgbClr val="CF17C2"/>
+            </a:solidFill>
+          </a:ln>
+        </p:spPr>
+        <p:style>
+          <a:lnRef idx="3">
+            <a:schemeClr val="accent2"/>
+          </a:lnRef>
+          <a:fillRef idx="0">
+            <a:schemeClr val="accent2"/>
+          </a:fillRef>
+          <a:effectRef idx="2">
+            <a:schemeClr val="accent2"/>
+          </a:effectRef>
+          <a:fontRef idx="minor">
+            <a:schemeClr val="tx1"/>
+          </a:fontRef>
+        </p:style>
+        <p:txBody>
+          <a:bodyPr rtlCol="0" anchor="ctr"/>
+          <a:lstStyle/>
+          <a:p>
+            <a:pPr algn="ctr"/>
+            <a:endParaRPr lang="de-DE"/>
+          </a:p>
+        </p:txBody>
+      </p:sp>
+      <p:sp>
+        <p:nvSpPr>
+          <p:cNvPr id="27" name="Textfeld 26">
+            <a:extLst>
+              <a:ext uri="{FF2B5EF4-FFF2-40B4-BE49-F238E27FC236}">
+                <a16:creationId xmlns:a16="http://schemas.microsoft.com/office/drawing/2014/main" id="{FB878625-17CF-484A-A584-311F4A56D429}"/>
+              </a:ext>
+            </a:extLst>
+          </p:cNvPr>
+          <p:cNvSpPr txBox="1"/>
+          <p:nvPr/>
+        </p:nvSpPr>
+        <p:spPr>
+          <a:xfrm>
+            <a:off x="4278839" y="5792086"/>
+            <a:ext cx="958917" cy="369332"/>
+          </a:xfrm>
+          <a:prstGeom prst="rect">
+            <a:avLst/>
+          </a:prstGeom>
+          <a:noFill/>
+        </p:spPr>
+        <p:txBody>
+          <a:bodyPr wrap="none" rtlCol="0">
+            <a:spAutoFit/>
+          </a:bodyPr>
+          <a:lstStyle/>
+          <a:p>
+            <a:r>
+              <a:rPr lang="de-DE" dirty="0"/>
+              <a:t>Running</a:t>
+            </a:r>
+          </a:p>
+        </p:txBody>
+      </p:sp>
+    </p:spTree>
+    <p:extLst>
+      <p:ext uri="{BB962C8B-B14F-4D97-AF65-F5344CB8AC3E}">
+        <p14:creationId xmlns:p14="http://schemas.microsoft.com/office/powerpoint/2010/main" val="1887484386"/>
+      </p:ext>
+    </p:extLst>
+  </p:cSld>
+  <p:clrMapOvr>
+    <a:masterClrMapping/>
+  </p:clrMapOvr>
+</p:sld>
+</file>
+
 <file path=ppt/theme/theme1.xml><?xml version="1.0" encoding="utf-8"?>
 <a:theme xmlns:a="http://schemas.openxmlformats.org/drawingml/2006/main" name="Office">
   <a:themeElements>
